--- a/Group8/Capstone-Team.pptx
+++ b/Group8/Capstone-Team.pptx
@@ -109,6 +109,11 @@
       </a:defRPr>
     </a:lvl9pPr>
   </p:defaultTextStyle>
+  <p:extLst>
+    <p:ext uri="{EFAFB233-063F-42B5-8137-9DF3F51BA10A}">
+      <p15:sldGuideLst xmlns:p15="http://schemas.microsoft.com/office/powerpoint/2012/main"/>
+    </p:ext>
+  </p:extLst>
 </p:presentation>
 </file>
 
@@ -3617,12 +3622,40 @@
           <a:bodyPr rtlCol="0" anchor="ctr"/>
           <a:lstStyle/>
           <a:p>
-            <a:pPr algn="ctr"/>
+            <a:r>
+              <a:rPr lang="en-US" sz="2000" b="1" dirty="0"/>
+              <a:t>Govindaraju S M</a:t>
+            </a:r>
+          </a:p>
+          <a:p>
             <a:r>
               <a:rPr lang="en-US" dirty="0"/>
-              <a:t>GOVI</a:t>
-            </a:r>
-            <a:endParaRPr lang="en-IN" dirty="0"/>
+              <a:t>Architect : IoT R&amp;D Team</a:t>
+            </a:r>
+          </a:p>
+          <a:p>
+            <a:r>
+              <a:rPr lang="en-US" dirty="0"/>
+              <a:t>Samsung R&amp;D, Bangalore</a:t>
+            </a:r>
+          </a:p>
+          <a:p>
+            <a:endParaRPr lang="en-US" dirty="0"/>
+          </a:p>
+          <a:p>
+            <a:r>
+              <a:rPr lang="en-US" dirty="0"/>
+              <a:t>- Voice Intelligence Enabling on IOT Products</a:t>
+            </a:r>
+          </a:p>
+          <a:p>
+            <a:r>
+              <a:rPr lang="en-US" dirty="0"/>
+              <a:t>- Wearable Products Development</a:t>
+            </a:r>
+          </a:p>
+          <a:p>
+            <a:endParaRPr lang="en-US" dirty="0"/>
           </a:p>
         </p:txBody>
       </p:sp>
